--- a/English/1.Importation techniques/0. Importing Data Intro.pptx
+++ b/English/1.Importation techniques/0. Importing Data Intro.pptx
@@ -17,7 +17,7 @@
   <p:notesSz cx="6858000" cy="9144000"/>
   <p:defaultTextStyle>
     <a:defPPr>
-      <a:defRPr lang="en-US"/>
+      <a:defRPr lang="en"/>
     </a:defPPr>
     <a:lvl1pPr marL="0" algn="l" defTabSz="914400" rtl="0" eaLnBrk="1" latinLnBrk="0" hangingPunct="1">
       <a:defRPr sz="1800" kern="1200">
@@ -200,7 +200,7 @@
           <a:p>
             <a:fld id="{056BA3B8-9F76-4D81-B71D-76CB85363062}" type="datetimeFigureOut">
               <a:rPr lang="en-US" smtClean="0"/>
-              <a:t>12/27/2024</a:t>
+              <a:t>4/3/2025</a:t>
             </a:fld>
             <a:endParaRPr lang="en-US"/>
           </a:p>
@@ -599,7 +599,7 @@
           <a:p>
             <a:fld id="{6F01DA4D-20EA-48D2-973C-0311EC3005D6}" type="datetimeFigureOut">
               <a:rPr lang="en-US" smtClean="0"/>
-              <a:t>12/27/2024</a:t>
+              <a:t>4/3/2025</a:t>
             </a:fld>
             <a:endParaRPr lang="en-US"/>
           </a:p>
@@ -769,7 +769,7 @@
           <a:p>
             <a:fld id="{6F01DA4D-20EA-48D2-973C-0311EC3005D6}" type="datetimeFigureOut">
               <a:rPr lang="en-US" smtClean="0"/>
-              <a:t>12/27/2024</a:t>
+              <a:t>4/3/2025</a:t>
             </a:fld>
             <a:endParaRPr lang="en-US"/>
           </a:p>
@@ -949,7 +949,7 @@
           <a:p>
             <a:fld id="{6F01DA4D-20EA-48D2-973C-0311EC3005D6}" type="datetimeFigureOut">
               <a:rPr lang="en-US" smtClean="0"/>
-              <a:t>12/27/2024</a:t>
+              <a:t>4/3/2025</a:t>
             </a:fld>
             <a:endParaRPr lang="en-US"/>
           </a:p>
@@ -1119,7 +1119,7 @@
           <a:p>
             <a:fld id="{6F01DA4D-20EA-48D2-973C-0311EC3005D6}" type="datetimeFigureOut">
               <a:rPr lang="en-US" smtClean="0"/>
-              <a:t>12/27/2024</a:t>
+              <a:t>4/3/2025</a:t>
             </a:fld>
             <a:endParaRPr lang="en-US"/>
           </a:p>
@@ -1365,7 +1365,7 @@
           <a:p>
             <a:fld id="{6F01DA4D-20EA-48D2-973C-0311EC3005D6}" type="datetimeFigureOut">
               <a:rPr lang="en-US" smtClean="0"/>
-              <a:t>12/27/2024</a:t>
+              <a:t>4/3/2025</a:t>
             </a:fld>
             <a:endParaRPr lang="en-US"/>
           </a:p>
@@ -1597,7 +1597,7 @@
           <a:p>
             <a:fld id="{6F01DA4D-20EA-48D2-973C-0311EC3005D6}" type="datetimeFigureOut">
               <a:rPr lang="en-US" smtClean="0"/>
-              <a:t>12/27/2024</a:t>
+              <a:t>4/3/2025</a:t>
             </a:fld>
             <a:endParaRPr lang="en-US"/>
           </a:p>
@@ -1964,7 +1964,7 @@
           <a:p>
             <a:fld id="{6F01DA4D-20EA-48D2-973C-0311EC3005D6}" type="datetimeFigureOut">
               <a:rPr lang="en-US" smtClean="0"/>
-              <a:t>12/27/2024</a:t>
+              <a:t>4/3/2025</a:t>
             </a:fld>
             <a:endParaRPr lang="en-US"/>
           </a:p>
@@ -2082,7 +2082,7 @@
           <a:p>
             <a:fld id="{6F01DA4D-20EA-48D2-973C-0311EC3005D6}" type="datetimeFigureOut">
               <a:rPr lang="en-US" smtClean="0"/>
-              <a:t>12/27/2024</a:t>
+              <a:t>4/3/2025</a:t>
             </a:fld>
             <a:endParaRPr lang="en-US"/>
           </a:p>
@@ -2177,7 +2177,7 @@
           <a:p>
             <a:fld id="{6F01DA4D-20EA-48D2-973C-0311EC3005D6}" type="datetimeFigureOut">
               <a:rPr lang="en-US" smtClean="0"/>
-              <a:t>12/27/2024</a:t>
+              <a:t>4/3/2025</a:t>
             </a:fld>
             <a:endParaRPr lang="en-US"/>
           </a:p>
@@ -2454,7 +2454,7 @@
           <a:p>
             <a:fld id="{6F01DA4D-20EA-48D2-973C-0311EC3005D6}" type="datetimeFigureOut">
               <a:rPr lang="en-US" smtClean="0"/>
-              <a:t>12/27/2024</a:t>
+              <a:t>4/3/2025</a:t>
             </a:fld>
             <a:endParaRPr lang="en-US"/>
           </a:p>
@@ -2707,7 +2707,7 @@
           <a:p>
             <a:fld id="{6F01DA4D-20EA-48D2-973C-0311EC3005D6}" type="datetimeFigureOut">
               <a:rPr lang="en-US" smtClean="0"/>
-              <a:t>12/27/2024</a:t>
+              <a:t>4/3/2025</a:t>
             </a:fld>
             <a:endParaRPr lang="en-US"/>
           </a:p>
@@ -2920,7 +2920,7 @@
           <a:p>
             <a:fld id="{6F01DA4D-20EA-48D2-973C-0311EC3005D6}" type="datetimeFigureOut">
               <a:rPr lang="en-US" smtClean="0"/>
-              <a:t>12/27/2024</a:t>
+              <a:t>4/3/2025</a:t>
             </a:fld>
             <a:endParaRPr lang="en-US"/>
           </a:p>
@@ -3341,8 +3341,8 @@
         </p:nvSpPr>
         <p:spPr>
           <a:xfrm>
-            <a:off x="2391355" y="2459637"/>
-            <a:ext cx="7332071" cy="1323439"/>
+            <a:off x="932658" y="2459637"/>
+            <a:ext cx="10249472" cy="1323439"/>
           </a:xfrm>
           <a:prstGeom prst="rect">
             <a:avLst/>
@@ -3357,7 +3357,7 @@
           <a:p>
             <a:pPr algn="ctr"/>
             <a:r>
-              <a:rPr lang="en-US" sz="8000" b="1" dirty="0" smtClean="0">
+              <a:rPr lang="en" sz="8000" b="1" dirty="0" err="1" smtClean="0">
                 <a:solidFill>
                   <a:srgbClr val="7030A0"/>
                 </a:solidFill>
@@ -3365,10 +3365,10 @@
                 <a:ea typeface="Verdana" panose="020B0604030504040204" pitchFamily="34" charset="0"/>
                 <a:cs typeface="Segoe UI" panose="020B0502040204020203" pitchFamily="34" charset="0"/>
               </a:rPr>
-              <a:t>Preparing</a:t>
-            </a:r>
-            <a:r>
-              <a:rPr lang="fr-FR" sz="8000" b="1" dirty="0" smtClean="0">
+              <a:t>Prepare </a:t>
+            </a:r>
+            <a:r>
+              <a:rPr lang="en" sz="8000" b="1" dirty="0" smtClean="0">
                 <a:solidFill>
                   <a:srgbClr val="7030A0"/>
                 </a:solidFill>
@@ -3376,21 +3376,40 @@
                 <a:ea typeface="Verdana" panose="020B0604030504040204" pitchFamily="34" charset="0"/>
                 <a:cs typeface="Segoe UI" panose="020B0502040204020203" pitchFamily="34" charset="0"/>
               </a:rPr>
-              <a:t> data</a:t>
-            </a:r>
-          </a:p>
-        </p:txBody>
-      </p:sp>
-      <p:sp>
-        <p:nvSpPr>
-          <p:cNvPr id="6" name="TextBox 5"/>
+              <a:t>the </a:t>
+            </a:r>
+            <a:r>
+              <a:rPr lang="en" sz="8000" b="1" dirty="0" err="1" smtClean="0">
+                <a:solidFill>
+                  <a:srgbClr val="7030A0"/>
+                </a:solidFill>
+                <a:latin typeface="Segoe UI" panose="020B0502040204020203" pitchFamily="34" charset="0"/>
+                <a:ea typeface="Verdana" panose="020B0604030504040204" pitchFamily="34" charset="0"/>
+                <a:cs typeface="Segoe UI" panose="020B0502040204020203" pitchFamily="34" charset="0"/>
+              </a:rPr>
+              <a:t>data</a:t>
+            </a:r>
+            <a:endParaRPr lang="fr-FR" sz="8000" b="1" dirty="0" smtClean="0">
+              <a:solidFill>
+                <a:srgbClr val="7030A0"/>
+              </a:solidFill>
+              <a:latin typeface="Segoe UI" panose="020B0502040204020203" pitchFamily="34" charset="0"/>
+              <a:ea typeface="Verdana" panose="020B0604030504040204" pitchFamily="34" charset="0"/>
+              <a:cs typeface="Segoe UI" panose="020B0502040204020203" pitchFamily="34" charset="0"/>
+            </a:endParaRPr>
+          </a:p>
+        </p:txBody>
+      </p:sp>
+      <p:sp>
+        <p:nvSpPr>
+          <p:cNvPr id="4" name="TextBox 3"/>
           <p:cNvSpPr txBox="1"/>
           <p:nvPr/>
         </p:nvSpPr>
         <p:spPr>
           <a:xfrm>
-            <a:off x="2464940" y="2459638"/>
-            <a:ext cx="7332071" cy="1323439"/>
+            <a:off x="858176" y="2385156"/>
+            <a:ext cx="10249472" cy="1323439"/>
           </a:xfrm>
           <a:prstGeom prst="rect">
             <a:avLst/>
@@ -3405,7 +3424,7 @@
           <a:p>
             <a:pPr algn="ctr"/>
             <a:r>
-              <a:rPr lang="en-US" sz="8000" b="1" dirty="0" smtClean="0">
+              <a:rPr lang="en" sz="8000" b="1" dirty="0" err="1" smtClean="0">
                 <a:solidFill>
                   <a:schemeClr val="bg1"/>
                 </a:solidFill>
@@ -3413,10 +3432,10 @@
                 <a:ea typeface="Verdana" panose="020B0604030504040204" pitchFamily="34" charset="0"/>
                 <a:cs typeface="Segoe UI" panose="020B0502040204020203" pitchFamily="34" charset="0"/>
               </a:rPr>
-              <a:t>Preparing</a:t>
-            </a:r>
-            <a:r>
-              <a:rPr lang="fr-FR" sz="8000" b="1" dirty="0" smtClean="0">
+              <a:t>Prepare </a:t>
+            </a:r>
+            <a:r>
+              <a:rPr lang="en" sz="8000" b="1" dirty="0" smtClean="0">
                 <a:solidFill>
                   <a:schemeClr val="bg1"/>
                 </a:solidFill>
@@ -3424,8 +3443,27 @@
                 <a:ea typeface="Verdana" panose="020B0604030504040204" pitchFamily="34" charset="0"/>
                 <a:cs typeface="Segoe UI" panose="020B0502040204020203" pitchFamily="34" charset="0"/>
               </a:rPr>
-              <a:t> data</a:t>
-            </a:r>
+              <a:t>the </a:t>
+            </a:r>
+            <a:r>
+              <a:rPr lang="en" sz="8000" b="1" dirty="0" err="1" smtClean="0">
+                <a:solidFill>
+                  <a:schemeClr val="bg1"/>
+                </a:solidFill>
+                <a:latin typeface="Segoe UI" panose="020B0502040204020203" pitchFamily="34" charset="0"/>
+                <a:ea typeface="Verdana" panose="020B0604030504040204" pitchFamily="34" charset="0"/>
+                <a:cs typeface="Segoe UI" panose="020B0502040204020203" pitchFamily="34" charset="0"/>
+              </a:rPr>
+              <a:t>data</a:t>
+            </a:r>
+            <a:endParaRPr lang="fr-FR" sz="8000" b="1" dirty="0" smtClean="0">
+              <a:solidFill>
+                <a:schemeClr val="bg1"/>
+              </a:solidFill>
+              <a:latin typeface="Segoe UI" panose="020B0502040204020203" pitchFamily="34" charset="0"/>
+              <a:ea typeface="Verdana" panose="020B0604030504040204" pitchFamily="34" charset="0"/>
+              <a:cs typeface="Segoe UI" panose="020B0502040204020203" pitchFamily="34" charset="0"/>
+            </a:endParaRPr>
           </a:p>
         </p:txBody>
       </p:sp>
@@ -3496,11 +3534,18 @@
           <a:p>
             <a:pPr algn="ctr"/>
             <a:r>
-              <a:rPr lang="en-US" sz="2400" dirty="0" smtClean="0">
+              <a:rPr lang="en" sz="2400" dirty="0" err="1" smtClean="0">
                 <a:latin typeface="Segoe UI" panose="020B0502040204020203" pitchFamily="34" charset="0"/>
                 <a:cs typeface="Segoe UI" panose="020B0502040204020203" pitchFamily="34" charset="0"/>
               </a:rPr>
-              <a:t>Preparing data</a:t>
+              <a:t>Prepare </a:t>
+            </a:r>
+            <a:r>
+              <a:rPr lang="en" sz="2400" dirty="0" smtClean="0">
+                <a:latin typeface="Segoe UI" panose="020B0502040204020203" pitchFamily="34" charset="0"/>
+                <a:cs typeface="Segoe UI" panose="020B0502040204020203" pitchFamily="34" charset="0"/>
+              </a:rPr>
+              <a:t>the data</a:t>
             </a:r>
             <a:endParaRPr lang="en-US" sz="2400" dirty="0">
               <a:latin typeface="Segoe UI" panose="020B0502040204020203" pitchFamily="34" charset="0"/>
@@ -3532,7 +3577,7 @@
           <a:lstStyle/>
           <a:p>
             <a:r>
-              <a:rPr lang="fr-FR" sz="4800" dirty="0" smtClean="0">
+              <a:rPr lang="en" sz="4800" dirty="0" smtClean="0">
                 <a:latin typeface="Segoe UI" panose="020B0502040204020203" pitchFamily="34" charset="0"/>
                 <a:cs typeface="Segoe UI" panose="020B0502040204020203" pitchFamily="34" charset="0"/>
               </a:rPr>
@@ -3582,11 +3627,11 @@
           <a:p>
             <a:pPr algn="ctr"/>
             <a:r>
-              <a:rPr lang="en-US" sz="2400" dirty="0" smtClean="0">
+              <a:rPr lang="en" sz="2400" dirty="0" smtClean="0">
                 <a:latin typeface="Segoe UI" panose="020B0502040204020203" pitchFamily="34" charset="0"/>
                 <a:cs typeface="Segoe UI" panose="020B0502040204020203" pitchFamily="34" charset="0"/>
               </a:rPr>
-              <a:t>Importing data</a:t>
+              <a:t>Import data</a:t>
             </a:r>
             <a:endParaRPr lang="en-US" sz="2400" dirty="0">
               <a:latin typeface="Segoe UI" panose="020B0502040204020203" pitchFamily="34" charset="0"/>
@@ -3618,7 +3663,7 @@
           <a:lstStyle/>
           <a:p>
             <a:r>
-              <a:rPr lang="fr-FR" sz="4800" dirty="0" smtClean="0">
+              <a:rPr lang="en" sz="4800" dirty="0" smtClean="0">
                 <a:latin typeface="Segoe UI" panose="020B0502040204020203" pitchFamily="34" charset="0"/>
                 <a:cs typeface="Segoe UI" panose="020B0502040204020203" pitchFamily="34" charset="0"/>
               </a:rPr>
@@ -3668,7 +3713,7 @@
           <a:p>
             <a:pPr algn="ctr"/>
             <a:r>
-              <a:rPr lang="en-US" sz="2400" dirty="0" smtClean="0">
+              <a:rPr lang="en" sz="2400" dirty="0" smtClean="0">
                 <a:latin typeface="Segoe UI" panose="020B0502040204020203" pitchFamily="34" charset="0"/>
                 <a:cs typeface="Segoe UI" panose="020B0502040204020203" pitchFamily="34" charset="0"/>
               </a:rPr>
@@ -3748,11 +3793,18 @@
           <a:p>
             <a:pPr algn="ctr"/>
             <a:r>
-              <a:rPr lang="en-US" sz="2400" dirty="0" smtClean="0">
+              <a:rPr lang="en" sz="2400" dirty="0" err="1" smtClean="0">
                 <a:latin typeface="Segoe UI" panose="020B0502040204020203" pitchFamily="34" charset="0"/>
                 <a:cs typeface="Segoe UI" panose="020B0502040204020203" pitchFamily="34" charset="0"/>
               </a:rPr>
-              <a:t>Preparing data</a:t>
+              <a:t>Prepare </a:t>
+            </a:r>
+            <a:r>
+              <a:rPr lang="en" sz="2400" dirty="0" smtClean="0">
+                <a:latin typeface="Segoe UI" panose="020B0502040204020203" pitchFamily="34" charset="0"/>
+                <a:cs typeface="Segoe UI" panose="020B0502040204020203" pitchFamily="34" charset="0"/>
+              </a:rPr>
+              <a:t>the data</a:t>
             </a:r>
             <a:endParaRPr lang="en-US" sz="2400" dirty="0">
               <a:latin typeface="Segoe UI" panose="020B0502040204020203" pitchFamily="34" charset="0"/>
@@ -3784,7 +3836,7 @@
           <a:lstStyle/>
           <a:p>
             <a:r>
-              <a:rPr lang="fr-FR" sz="4800" dirty="0" smtClean="0">
+              <a:rPr lang="en" sz="4800" dirty="0" smtClean="0">
                 <a:latin typeface="Segoe UI" panose="020B0502040204020203" pitchFamily="34" charset="0"/>
                 <a:cs typeface="Segoe UI" panose="020B0502040204020203" pitchFamily="34" charset="0"/>
               </a:rPr>
@@ -3834,11 +3886,11 @@
           <a:p>
             <a:pPr algn="ctr"/>
             <a:r>
-              <a:rPr lang="en-US" sz="2400" dirty="0" smtClean="0">
+              <a:rPr lang="en" sz="2400" dirty="0" smtClean="0">
                 <a:latin typeface="Segoe UI" panose="020B0502040204020203" pitchFamily="34" charset="0"/>
                 <a:cs typeface="Segoe UI" panose="020B0502040204020203" pitchFamily="34" charset="0"/>
               </a:rPr>
-              <a:t>Importing data</a:t>
+              <a:t>Import data</a:t>
             </a:r>
             <a:endParaRPr lang="en-US" sz="2400" dirty="0">
               <a:latin typeface="Segoe UI" panose="020B0502040204020203" pitchFamily="34" charset="0"/>
@@ -3870,7 +3922,7 @@
           <a:lstStyle/>
           <a:p>
             <a:r>
-              <a:rPr lang="fr-FR" sz="4800" dirty="0" smtClean="0">
+              <a:rPr lang="en" sz="4800" dirty="0" smtClean="0">
                 <a:latin typeface="Segoe UI" panose="020B0502040204020203" pitchFamily="34" charset="0"/>
                 <a:cs typeface="Segoe UI" panose="020B0502040204020203" pitchFamily="34" charset="0"/>
               </a:rPr>
@@ -3892,7 +3944,7 @@
         <p:spPr>
           <a:xfrm>
             <a:off x="8369488" y="507413"/>
-            <a:ext cx="2729449" cy="914400"/>
+            <a:ext cx="3065848" cy="914400"/>
           </a:xfrm>
           <a:prstGeom prst="rect">
             <a:avLst/>
@@ -3920,7 +3972,7 @@
           <a:p>
             <a:pPr algn="ctr"/>
             <a:r>
-              <a:rPr lang="en-US" sz="2400" dirty="0" smtClean="0">
+              <a:rPr lang="en" sz="2400" dirty="0" smtClean="0">
                 <a:latin typeface="Segoe UI" panose="020B0502040204020203" pitchFamily="34" charset="0"/>
                 <a:cs typeface="Segoe UI" panose="020B0502040204020203" pitchFamily="34" charset="0"/>
               </a:rPr>
@@ -3970,7 +4022,7 @@
           <a:p>
             <a:pPr algn="ctr"/>
             <a:r>
-              <a:rPr lang="en-US" sz="2400" dirty="0" smtClean="0">
+              <a:rPr lang="en" sz="2400" dirty="0" smtClean="0">
                 <a:latin typeface="Segoe UI" panose="020B0502040204020203" pitchFamily="34" charset="0"/>
                 <a:cs typeface="Segoe UI" panose="020B0502040204020203" pitchFamily="34" charset="0"/>
               </a:rPr>
@@ -4006,7 +4058,7 @@
           <a:lstStyle/>
           <a:p>
             <a:r>
-              <a:rPr lang="fr-FR" sz="4800" dirty="0" smtClean="0">
+              <a:rPr lang="en" sz="4800" dirty="0" smtClean="0">
                 <a:latin typeface="Segoe UI" panose="020B0502040204020203" pitchFamily="34" charset="0"/>
                 <a:cs typeface="Segoe UI" panose="020B0502040204020203" pitchFamily="34" charset="0"/>
               </a:rPr>
@@ -4056,13 +4108,13 @@
           <a:p>
             <a:pPr algn="ctr"/>
             <a:r>
-              <a:rPr lang="en-US" sz="2400" dirty="0" smtClean="0">
+              <a:rPr lang="en" sz="2400" dirty="0" smtClean="0">
                 <a:latin typeface="Segoe UI" panose="020B0502040204020203" pitchFamily="34" charset="0"/>
                 <a:cs typeface="Segoe UI" panose="020B0502040204020203" pitchFamily="34" charset="0"/>
               </a:rPr>
-              <a:t>Cleaning data</a:t>
-            </a:r>
-            <a:endParaRPr lang="en-US" sz="2400" dirty="0">
+              <a:t>Cleaning</a:t>
+            </a:r>
+            <a:endParaRPr lang="fr-FR" sz="2400" dirty="0">
               <a:latin typeface="Segoe UI" panose="020B0502040204020203" pitchFamily="34" charset="0"/>
               <a:cs typeface="Segoe UI" panose="020B0502040204020203" pitchFamily="34" charset="0"/>
             </a:endParaRPr>
@@ -4092,7 +4144,7 @@
           <a:lstStyle/>
           <a:p>
             <a:r>
-              <a:rPr lang="fr-FR" sz="2800" dirty="0" smtClean="0">
+              <a:rPr lang="en" sz="2800" dirty="0" smtClean="0">
                 <a:latin typeface="Segoe UI" panose="020B0502040204020203" pitchFamily="34" charset="0"/>
                 <a:cs typeface="Segoe UI" panose="020B0502040204020203" pitchFamily="34" charset="0"/>
               </a:rPr>
@@ -4142,7 +4194,7 @@
           <a:p>
             <a:pPr algn="ctr"/>
             <a:r>
-              <a:rPr lang="en-US" sz="2400" dirty="0" smtClean="0">
+              <a:rPr lang="en" sz="2400" dirty="0" smtClean="0">
                 <a:latin typeface="Segoe UI" panose="020B0502040204020203" pitchFamily="34" charset="0"/>
                 <a:cs typeface="Segoe UI" panose="020B0502040204020203" pitchFamily="34" charset="0"/>
               </a:rPr>
@@ -4192,11 +4244,11 @@
           <a:p>
             <a:pPr algn="ctr"/>
             <a:r>
-              <a:rPr lang="en-US" sz="2400" dirty="0" smtClean="0">
+              <a:rPr lang="en" sz="2400" dirty="0" smtClean="0">
                 <a:latin typeface="Segoe UI" panose="020B0502040204020203" pitchFamily="34" charset="0"/>
                 <a:cs typeface="Segoe UI" panose="020B0502040204020203" pitchFamily="34" charset="0"/>
               </a:rPr>
-              <a:t>Merge operations</a:t>
+              <a:t>Mergers</a:t>
             </a:r>
             <a:endParaRPr lang="en-US" sz="2400" dirty="0">
               <a:latin typeface="Segoe UI" panose="020B0502040204020203" pitchFamily="34" charset="0"/>
@@ -4228,7 +4280,7 @@
           <a:lstStyle/>
           <a:p>
             <a:r>
-              <a:rPr lang="fr-FR" sz="2800" dirty="0" smtClean="0">
+              <a:rPr lang="en" sz="2800" dirty="0" smtClean="0">
                 <a:latin typeface="Segoe UI" panose="020B0502040204020203" pitchFamily="34" charset="0"/>
                 <a:cs typeface="Segoe UI" panose="020B0502040204020203" pitchFamily="34" charset="0"/>
               </a:rPr>
@@ -4278,13 +4330,13 @@
           <a:p>
             <a:pPr algn="ctr"/>
             <a:r>
-              <a:rPr lang="en-US" sz="2400" dirty="0" smtClean="0">
+              <a:rPr lang="en" sz="2400" dirty="0" smtClean="0">
                 <a:latin typeface="Segoe UI" panose="020B0502040204020203" pitchFamily="34" charset="0"/>
                 <a:cs typeface="Segoe UI" panose="020B0502040204020203" pitchFamily="34" charset="0"/>
               </a:rPr>
               <a:t>Filter</a:t>
             </a:r>
-            <a:endParaRPr lang="en-US" sz="2400" dirty="0">
+            <a:endParaRPr lang="fr-FR" sz="2400" dirty="0">
               <a:latin typeface="Segoe UI" panose="020B0502040204020203" pitchFamily="34" charset="0"/>
               <a:cs typeface="Segoe UI" panose="020B0502040204020203" pitchFamily="34" charset="0"/>
             </a:endParaRPr>
@@ -4314,7 +4366,7 @@
           <a:lstStyle/>
           <a:p>
             <a:r>
-              <a:rPr lang="fr-FR" sz="2800" dirty="0" smtClean="0">
+              <a:rPr lang="en" sz="2800" dirty="0" smtClean="0">
                 <a:latin typeface="Segoe UI" panose="020B0502040204020203" pitchFamily="34" charset="0"/>
                 <a:cs typeface="Segoe UI" panose="020B0502040204020203" pitchFamily="34" charset="0"/>
               </a:rPr>
@@ -4350,7 +4402,7 @@
           <a:lstStyle/>
           <a:p>
             <a:r>
-              <a:rPr lang="fr-FR" sz="2800" dirty="0" smtClean="0">
+              <a:rPr lang="en" sz="2800" dirty="0" smtClean="0">
                 <a:latin typeface="Segoe UI" panose="020B0502040204020203" pitchFamily="34" charset="0"/>
                 <a:cs typeface="Segoe UI" panose="020B0502040204020203" pitchFamily="34" charset="0"/>
               </a:rPr>
@@ -4400,7 +4452,7 @@
           <a:p>
             <a:pPr algn="ctr"/>
             <a:r>
-              <a:rPr lang="en-US" sz="2400" dirty="0" smtClean="0">
+              <a:rPr lang="en" sz="2400" dirty="0" smtClean="0">
                 <a:latin typeface="Segoe UI" panose="020B0502040204020203" pitchFamily="34" charset="0"/>
                 <a:cs typeface="Segoe UI" panose="020B0502040204020203" pitchFamily="34" charset="0"/>
               </a:rPr>
@@ -4436,7 +4488,7 @@
           <a:lstStyle/>
           <a:p>
             <a:r>
-              <a:rPr lang="fr-FR" sz="2800" dirty="0" smtClean="0">
+              <a:rPr lang="en" sz="2800" dirty="0" smtClean="0">
                 <a:latin typeface="Segoe UI" panose="020B0502040204020203" pitchFamily="34" charset="0"/>
                 <a:cs typeface="Segoe UI" panose="020B0502040204020203" pitchFamily="34" charset="0"/>
               </a:rPr>
@@ -4486,11 +4538,11 @@
           <a:p>
             <a:pPr algn="ctr"/>
             <a:r>
-              <a:rPr lang="fr-FR" sz="2400" dirty="0" smtClean="0">
+              <a:rPr lang="en" sz="2400" dirty="0" smtClean="0">
                 <a:latin typeface="Segoe UI" panose="020B0502040204020203" pitchFamily="34" charset="0"/>
                 <a:cs typeface="Segoe UI" panose="020B0502040204020203" pitchFamily="34" charset="0"/>
               </a:rPr>
-              <a:t>Data conversion</a:t>
+              <a:t>Conversions</a:t>
             </a:r>
             <a:endParaRPr lang="en-US" sz="2400" dirty="0">
               <a:latin typeface="Segoe UI" panose="020B0502040204020203" pitchFamily="34" charset="0"/>
@@ -4522,7 +4574,7 @@
           <a:lstStyle/>
           <a:p>
             <a:r>
-              <a:rPr lang="fr-FR" sz="2800" dirty="0" smtClean="0">
+              <a:rPr lang="en" sz="2800" dirty="0" smtClean="0">
                 <a:latin typeface="Segoe UI" panose="020B0502040204020203" pitchFamily="34" charset="0"/>
                 <a:cs typeface="Segoe UI" panose="020B0502040204020203" pitchFamily="34" charset="0"/>
               </a:rPr>
@@ -4572,11 +4624,11 @@
           <a:p>
             <a:pPr algn="ctr"/>
             <a:r>
-              <a:rPr lang="fr-FR" sz="2400" dirty="0" smtClean="0">
+              <a:rPr lang="en" sz="2400" dirty="0" smtClean="0">
                 <a:latin typeface="Segoe UI" panose="020B0502040204020203" pitchFamily="34" charset="0"/>
                 <a:cs typeface="Segoe UI" panose="020B0502040204020203" pitchFamily="34" charset="0"/>
               </a:rPr>
-              <a:t>Pivot/Un Pivot</a:t>
+              <a:t>Pivot/A Pivot</a:t>
             </a:r>
             <a:endParaRPr lang="en-US" sz="2400" dirty="0">
               <a:latin typeface="Segoe UI" panose="020B0502040204020203" pitchFamily="34" charset="0"/>
@@ -4608,7 +4660,7 @@
           <a:lstStyle/>
           <a:p>
             <a:r>
-              <a:rPr lang="fr-FR" sz="2800" dirty="0" smtClean="0">
+              <a:rPr lang="en" sz="2800" dirty="0" smtClean="0">
                 <a:latin typeface="Segoe UI" panose="020B0502040204020203" pitchFamily="34" charset="0"/>
                 <a:cs typeface="Segoe UI" panose="020B0502040204020203" pitchFamily="34" charset="0"/>
               </a:rPr>
@@ -4658,25 +4710,11 @@
           <a:p>
             <a:pPr algn="ctr"/>
             <a:r>
-              <a:rPr lang="en-US" sz="2400" dirty="0" smtClean="0">
+              <a:rPr lang="en" sz="2400" dirty="0" smtClean="0">
                 <a:latin typeface="Segoe UI" panose="020B0502040204020203" pitchFamily="34" charset="0"/>
                 <a:cs typeface="Segoe UI" panose="020B0502040204020203" pitchFamily="34" charset="0"/>
               </a:rPr>
-              <a:t>Derived</a:t>
-            </a:r>
-            <a:r>
-              <a:rPr lang="fr-FR" sz="2400" dirty="0" smtClean="0">
-                <a:latin typeface="Segoe UI" panose="020B0502040204020203" pitchFamily="34" charset="0"/>
-                <a:cs typeface="Segoe UI" panose="020B0502040204020203" pitchFamily="34" charset="0"/>
-              </a:rPr>
-              <a:t> </a:t>
-            </a:r>
-            <a:r>
-              <a:rPr lang="en-US" sz="2400" dirty="0" smtClean="0">
-                <a:latin typeface="Segoe UI" panose="020B0502040204020203" pitchFamily="34" charset="0"/>
-                <a:cs typeface="Segoe UI" panose="020B0502040204020203" pitchFamily="34" charset="0"/>
-              </a:rPr>
-              <a:t>columns</a:t>
+              <a:t>Derived columns</a:t>
             </a:r>
             <a:endParaRPr lang="en-US" sz="2400" dirty="0">
               <a:latin typeface="Segoe UI" panose="020B0502040204020203" pitchFamily="34" charset="0"/>
@@ -4708,7 +4746,7 @@
           <a:lstStyle/>
           <a:p>
             <a:r>
-              <a:rPr lang="fr-FR" sz="2800" dirty="0" smtClean="0">
+              <a:rPr lang="en" sz="2800" dirty="0" smtClean="0">
                 <a:latin typeface="Segoe UI" panose="020B0502040204020203" pitchFamily="34" charset="0"/>
                 <a:cs typeface="Segoe UI" panose="020B0502040204020203" pitchFamily="34" charset="0"/>
               </a:rPr>
@@ -4758,7 +4796,7 @@
           <a:p>
             <a:pPr algn="ctr"/>
             <a:r>
-              <a:rPr lang="en-US" sz="2400" dirty="0" smtClean="0">
+              <a:rPr lang="en" sz="2400" dirty="0" smtClean="0">
                 <a:latin typeface="Segoe UI" panose="020B0502040204020203" pitchFamily="34" charset="0"/>
                 <a:cs typeface="Segoe UI" panose="020B0502040204020203" pitchFamily="34" charset="0"/>
               </a:rPr>
@@ -4794,7 +4832,7 @@
           <a:lstStyle/>
           <a:p>
             <a:r>
-              <a:rPr lang="fr-FR" sz="2800" dirty="0" smtClean="0">
+              <a:rPr lang="en" sz="2800" dirty="0" smtClean="0">
                 <a:latin typeface="Segoe UI" panose="020B0502040204020203" pitchFamily="34" charset="0"/>
                 <a:cs typeface="Segoe UI" panose="020B0502040204020203" pitchFamily="34" charset="0"/>
               </a:rPr>
@@ -4844,7 +4882,7 @@
           <a:p>
             <a:pPr algn="ctr"/>
             <a:r>
-              <a:rPr lang="en-US" sz="2400" dirty="0" smtClean="0">
+              <a:rPr lang="en" sz="2400" dirty="0" smtClean="0">
                 <a:latin typeface="Segoe UI" panose="020B0502040204020203" pitchFamily="34" charset="0"/>
                 <a:cs typeface="Segoe UI" panose="020B0502040204020203" pitchFamily="34" charset="0"/>
               </a:rPr>
@@ -4880,7 +4918,7 @@
           <a:lstStyle/>
           <a:p>
             <a:r>
-              <a:rPr lang="fr-FR" sz="2800" dirty="0" smtClean="0">
+              <a:rPr lang="en" sz="2800" dirty="0" smtClean="0">
                 <a:latin typeface="Segoe UI" panose="020B0502040204020203" pitchFamily="34" charset="0"/>
                 <a:cs typeface="Segoe UI" panose="020B0502040204020203" pitchFamily="34" charset="0"/>
               </a:rPr>
@@ -4930,7 +4968,7 @@
           <a:p>
             <a:pPr algn="ctr"/>
             <a:r>
-              <a:rPr lang="en-US" sz="2400" dirty="0" smtClean="0">
+              <a:rPr lang="en" sz="2400" dirty="0" smtClean="0">
                 <a:latin typeface="Segoe UI" panose="020B0502040204020203" pitchFamily="34" charset="0"/>
                 <a:cs typeface="Segoe UI" panose="020B0502040204020203" pitchFamily="34" charset="0"/>
               </a:rPr>
@@ -6348,8 +6386,8 @@
         </p:nvSpPr>
         <p:spPr>
           <a:xfrm>
-            <a:off x="2916199" y="2162433"/>
-            <a:ext cx="6230360" cy="1569660"/>
+            <a:off x="4346238" y="2691823"/>
+            <a:ext cx="3456395" cy="1569660"/>
           </a:xfrm>
           <a:prstGeom prst="rect">
             <a:avLst/>
@@ -6363,7 +6401,7 @@
           <a:lstStyle/>
           <a:p>
             <a:r>
-              <a:rPr lang="en-US" sz="9600" b="1" dirty="0" smtClean="0">
+              <a:rPr lang="en" sz="9600" b="1" dirty="0" smtClean="0">
                 <a:solidFill>
                   <a:srgbClr val="7030A0"/>
                 </a:solidFill>
@@ -6371,7 +6409,7 @@
                 <a:ea typeface="Verdana" panose="020B0604030504040204" pitchFamily="34" charset="0"/>
                 <a:cs typeface="Segoe UI" panose="020B0502040204020203" pitchFamily="34" charset="0"/>
               </a:rPr>
-              <a:t>Thank you</a:t>
+              <a:t>THANKS</a:t>
             </a:r>
             <a:endParaRPr lang="en-US" sz="9600" b="1" dirty="0">
               <a:solidFill>
@@ -6392,8 +6430,8 @@
         </p:nvSpPr>
         <p:spPr>
           <a:xfrm>
-            <a:off x="2990336" y="2217861"/>
-            <a:ext cx="6230360" cy="1569660"/>
+            <a:off x="4277486" y="2609748"/>
+            <a:ext cx="3456395" cy="1569660"/>
           </a:xfrm>
           <a:prstGeom prst="rect">
             <a:avLst/>
@@ -6407,7 +6445,7 @@
           <a:lstStyle/>
           <a:p>
             <a:r>
-              <a:rPr lang="en-US" sz="9600" b="1" dirty="0" smtClean="0">
+              <a:rPr lang="en" sz="9600" b="1" dirty="0" smtClean="0">
                 <a:solidFill>
                   <a:schemeClr val="bg1"/>
                 </a:solidFill>
@@ -6415,7 +6453,7 @@
                 <a:ea typeface="Verdana" panose="020B0604030504040204" pitchFamily="34" charset="0"/>
                 <a:cs typeface="Segoe UI" panose="020B0502040204020203" pitchFamily="34" charset="0"/>
               </a:rPr>
-              <a:t>Thank you</a:t>
+              <a:t>THANKS</a:t>
             </a:r>
             <a:endParaRPr lang="en-US" sz="9600" b="1" dirty="0">
               <a:solidFill>

--- a/English/1.Importation techniques/0. Importing Data Intro.pptx
+++ b/English/1.Importation techniques/0. Importing Data Intro.pptx
@@ -6386,8 +6386,8 @@
         </p:nvSpPr>
         <p:spPr>
           <a:xfrm>
-            <a:off x="4346238" y="2691823"/>
-            <a:ext cx="3456395" cy="1569660"/>
+            <a:off x="2771820" y="2526818"/>
+            <a:ext cx="6230360" cy="1569660"/>
           </a:xfrm>
           <a:prstGeom prst="rect">
             <a:avLst/>
@@ -6401,7 +6401,7 @@
           <a:lstStyle/>
           <a:p>
             <a:r>
-              <a:rPr lang="en" sz="9600" b="1" dirty="0" smtClean="0">
+              <a:rPr lang="en-US" sz="9600" b="1" dirty="0" smtClean="0">
                 <a:solidFill>
                   <a:srgbClr val="7030A0"/>
                 </a:solidFill>
@@ -6409,7 +6409,7 @@
                 <a:ea typeface="Verdana" panose="020B0604030504040204" pitchFamily="34" charset="0"/>
                 <a:cs typeface="Segoe UI" panose="020B0502040204020203" pitchFamily="34" charset="0"/>
               </a:rPr>
-              <a:t>THANKS</a:t>
+              <a:t>Thank you</a:t>
             </a:r>
             <a:endParaRPr lang="en-US" sz="9600" b="1" dirty="0">
               <a:solidFill>
@@ -6430,8 +6430,8 @@
         </p:nvSpPr>
         <p:spPr>
           <a:xfrm>
-            <a:off x="4277486" y="2609748"/>
-            <a:ext cx="3456395" cy="1569660"/>
+            <a:off x="2703068" y="2444743"/>
+            <a:ext cx="6230360" cy="1569660"/>
           </a:xfrm>
           <a:prstGeom prst="rect">
             <a:avLst/>
@@ -6445,7 +6445,7 @@
           <a:lstStyle/>
           <a:p>
             <a:r>
-              <a:rPr lang="en" sz="9600" b="1" dirty="0" smtClean="0">
+              <a:rPr lang="en-US" sz="9600" b="1" dirty="0" smtClean="0">
                 <a:solidFill>
                   <a:schemeClr val="bg1"/>
                 </a:solidFill>
@@ -6453,7 +6453,7 @@
                 <a:ea typeface="Verdana" panose="020B0604030504040204" pitchFamily="34" charset="0"/>
                 <a:cs typeface="Segoe UI" panose="020B0502040204020203" pitchFamily="34" charset="0"/>
               </a:rPr>
-              <a:t>THANKS</a:t>
+              <a:t>Thank you</a:t>
             </a:r>
             <a:endParaRPr lang="en-US" sz="9600" b="1" dirty="0">
               <a:solidFill>

--- a/English/1.Importation techniques/0. Importing Data Intro.pptx
+++ b/English/1.Importation techniques/0. Importing Data Intro.pptx
@@ -200,7 +200,7 @@
           <a:p>
             <a:fld id="{056BA3B8-9F76-4D81-B71D-76CB85363062}" type="datetimeFigureOut">
               <a:rPr lang="en-US" smtClean="0"/>
-              <a:t>4/3/2025</a:t>
+              <a:t>4/8/2025</a:t>
             </a:fld>
             <a:endParaRPr lang="en-US"/>
           </a:p>
@@ -599,7 +599,7 @@
           <a:p>
             <a:fld id="{6F01DA4D-20EA-48D2-973C-0311EC3005D6}" type="datetimeFigureOut">
               <a:rPr lang="en-US" smtClean="0"/>
-              <a:t>4/3/2025</a:t>
+              <a:t>4/8/2025</a:t>
             </a:fld>
             <a:endParaRPr lang="en-US"/>
           </a:p>
@@ -769,7 +769,7 @@
           <a:p>
             <a:fld id="{6F01DA4D-20EA-48D2-973C-0311EC3005D6}" type="datetimeFigureOut">
               <a:rPr lang="en-US" smtClean="0"/>
-              <a:t>4/3/2025</a:t>
+              <a:t>4/8/2025</a:t>
             </a:fld>
             <a:endParaRPr lang="en-US"/>
           </a:p>
@@ -949,7 +949,7 @@
           <a:p>
             <a:fld id="{6F01DA4D-20EA-48D2-973C-0311EC3005D6}" type="datetimeFigureOut">
               <a:rPr lang="en-US" smtClean="0"/>
-              <a:t>4/3/2025</a:t>
+              <a:t>4/8/2025</a:t>
             </a:fld>
             <a:endParaRPr lang="en-US"/>
           </a:p>
@@ -1119,7 +1119,7 @@
           <a:p>
             <a:fld id="{6F01DA4D-20EA-48D2-973C-0311EC3005D6}" type="datetimeFigureOut">
               <a:rPr lang="en-US" smtClean="0"/>
-              <a:t>4/3/2025</a:t>
+              <a:t>4/8/2025</a:t>
             </a:fld>
             <a:endParaRPr lang="en-US"/>
           </a:p>
@@ -1365,7 +1365,7 @@
           <a:p>
             <a:fld id="{6F01DA4D-20EA-48D2-973C-0311EC3005D6}" type="datetimeFigureOut">
               <a:rPr lang="en-US" smtClean="0"/>
-              <a:t>4/3/2025</a:t>
+              <a:t>4/8/2025</a:t>
             </a:fld>
             <a:endParaRPr lang="en-US"/>
           </a:p>
@@ -1597,7 +1597,7 @@
           <a:p>
             <a:fld id="{6F01DA4D-20EA-48D2-973C-0311EC3005D6}" type="datetimeFigureOut">
               <a:rPr lang="en-US" smtClean="0"/>
-              <a:t>4/3/2025</a:t>
+              <a:t>4/8/2025</a:t>
             </a:fld>
             <a:endParaRPr lang="en-US"/>
           </a:p>
@@ -1964,7 +1964,7 @@
           <a:p>
             <a:fld id="{6F01DA4D-20EA-48D2-973C-0311EC3005D6}" type="datetimeFigureOut">
               <a:rPr lang="en-US" smtClean="0"/>
-              <a:t>4/3/2025</a:t>
+              <a:t>4/8/2025</a:t>
             </a:fld>
             <a:endParaRPr lang="en-US"/>
           </a:p>
@@ -2082,7 +2082,7 @@
           <a:p>
             <a:fld id="{6F01DA4D-20EA-48D2-973C-0311EC3005D6}" type="datetimeFigureOut">
               <a:rPr lang="en-US" smtClean="0"/>
-              <a:t>4/3/2025</a:t>
+              <a:t>4/8/2025</a:t>
             </a:fld>
             <a:endParaRPr lang="en-US"/>
           </a:p>
@@ -2177,7 +2177,7 @@
           <a:p>
             <a:fld id="{6F01DA4D-20EA-48D2-973C-0311EC3005D6}" type="datetimeFigureOut">
               <a:rPr lang="en-US" smtClean="0"/>
-              <a:t>4/3/2025</a:t>
+              <a:t>4/8/2025</a:t>
             </a:fld>
             <a:endParaRPr lang="en-US"/>
           </a:p>
@@ -2454,7 +2454,7 @@
           <a:p>
             <a:fld id="{6F01DA4D-20EA-48D2-973C-0311EC3005D6}" type="datetimeFigureOut">
               <a:rPr lang="en-US" smtClean="0"/>
-              <a:t>4/3/2025</a:t>
+              <a:t>4/8/2025</a:t>
             </a:fld>
             <a:endParaRPr lang="en-US"/>
           </a:p>
@@ -2707,7 +2707,7 @@
           <a:p>
             <a:fld id="{6F01DA4D-20EA-48D2-973C-0311EC3005D6}" type="datetimeFigureOut">
               <a:rPr lang="en-US" smtClean="0"/>
-              <a:t>4/3/2025</a:t>
+              <a:t>4/8/2025</a:t>
             </a:fld>
             <a:endParaRPr lang="en-US"/>
           </a:p>
@@ -2920,7 +2920,7 @@
           <a:p>
             <a:fld id="{6F01DA4D-20EA-48D2-973C-0311EC3005D6}" type="datetimeFigureOut">
               <a:rPr lang="en-US" smtClean="0"/>
-              <a:t>4/3/2025</a:t>
+              <a:t>4/8/2025</a:t>
             </a:fld>
             <a:endParaRPr lang="en-US"/>
           </a:p>
@@ -4244,11 +4244,11 @@
           <a:p>
             <a:pPr algn="ctr"/>
             <a:r>
-              <a:rPr lang="en" sz="2400" dirty="0" smtClean="0">
+              <a:rPr lang="en" sz="2400" smtClean="0">
                 <a:latin typeface="Segoe UI" panose="020B0502040204020203" pitchFamily="34" charset="0"/>
                 <a:cs typeface="Segoe UI" panose="020B0502040204020203" pitchFamily="34" charset="0"/>
               </a:rPr>
-              <a:t>Mergers</a:t>
+              <a:t>Merge</a:t>
             </a:r>
             <a:endParaRPr lang="en-US" sz="2400" dirty="0">
               <a:latin typeface="Segoe UI" panose="020B0502040204020203" pitchFamily="34" charset="0"/>
